--- a/Tutorial_material/20190913/20190913.pptx
+++ b/Tutorial_material/20190913/20190913.pptx
@@ -111,6 +111,11 @@
       </a:defRPr>
     </a:lvl9pPr>
   </p:defaultTextStyle>
+  <p:extLst>
+    <p:ext uri="{EFAFB233-063F-42B5-8137-9DF3F51BA10A}">
+      <p15:sldGuideLst xmlns:p15="http://schemas.microsoft.com/office/powerpoint/2012/main"/>
+    </p:ext>
+  </p:extLst>
 </p:presentation>
 </file>
 
@@ -261,7 +266,7 @@
           <a:p>
             <a:fld id="{6184EF05-02AB-495E-8E82-69920567B8C4}" type="datetimeFigureOut">
               <a:rPr lang="zh-CN" altLang="en-US" smtClean="0"/>
-              <a:t>2019/9/12</a:t>
+              <a:t>2019/9/13</a:t>
             </a:fld>
             <a:endParaRPr lang="zh-CN" altLang="en-US"/>
           </a:p>
@@ -459,7 +464,7 @@
           <a:p>
             <a:fld id="{6184EF05-02AB-495E-8E82-69920567B8C4}" type="datetimeFigureOut">
               <a:rPr lang="zh-CN" altLang="en-US" smtClean="0"/>
-              <a:t>2019/9/12</a:t>
+              <a:t>2019/9/13</a:t>
             </a:fld>
             <a:endParaRPr lang="zh-CN" altLang="en-US"/>
           </a:p>
@@ -667,7 +672,7 @@
           <a:p>
             <a:fld id="{6184EF05-02AB-495E-8E82-69920567B8C4}" type="datetimeFigureOut">
               <a:rPr lang="zh-CN" altLang="en-US" smtClean="0"/>
-              <a:t>2019/9/12</a:t>
+              <a:t>2019/9/13</a:t>
             </a:fld>
             <a:endParaRPr lang="zh-CN" altLang="en-US"/>
           </a:p>
@@ -865,7 +870,7 @@
           <a:p>
             <a:fld id="{6184EF05-02AB-495E-8E82-69920567B8C4}" type="datetimeFigureOut">
               <a:rPr lang="zh-CN" altLang="en-US" smtClean="0"/>
-              <a:t>2019/9/12</a:t>
+              <a:t>2019/9/13</a:t>
             </a:fld>
             <a:endParaRPr lang="zh-CN" altLang="en-US"/>
           </a:p>
@@ -1140,7 +1145,7 @@
           <a:p>
             <a:fld id="{6184EF05-02AB-495E-8E82-69920567B8C4}" type="datetimeFigureOut">
               <a:rPr lang="zh-CN" altLang="en-US" smtClean="0"/>
-              <a:t>2019/9/12</a:t>
+              <a:t>2019/9/13</a:t>
             </a:fld>
             <a:endParaRPr lang="zh-CN" altLang="en-US"/>
           </a:p>
@@ -1405,7 +1410,7 @@
           <a:p>
             <a:fld id="{6184EF05-02AB-495E-8E82-69920567B8C4}" type="datetimeFigureOut">
               <a:rPr lang="zh-CN" altLang="en-US" smtClean="0"/>
-              <a:t>2019/9/12</a:t>
+              <a:t>2019/9/13</a:t>
             </a:fld>
             <a:endParaRPr lang="zh-CN" altLang="en-US"/>
           </a:p>
@@ -1817,7 +1822,7 @@
           <a:p>
             <a:fld id="{6184EF05-02AB-495E-8E82-69920567B8C4}" type="datetimeFigureOut">
               <a:rPr lang="zh-CN" altLang="en-US" smtClean="0"/>
-              <a:t>2019/9/12</a:t>
+              <a:t>2019/9/13</a:t>
             </a:fld>
             <a:endParaRPr lang="zh-CN" altLang="en-US"/>
           </a:p>
@@ -1958,7 +1963,7 @@
           <a:p>
             <a:fld id="{6184EF05-02AB-495E-8E82-69920567B8C4}" type="datetimeFigureOut">
               <a:rPr lang="zh-CN" altLang="en-US" smtClean="0"/>
-              <a:t>2019/9/12</a:t>
+              <a:t>2019/9/13</a:t>
             </a:fld>
             <a:endParaRPr lang="zh-CN" altLang="en-US"/>
           </a:p>
@@ -2071,7 +2076,7 @@
           <a:p>
             <a:fld id="{6184EF05-02AB-495E-8E82-69920567B8C4}" type="datetimeFigureOut">
               <a:rPr lang="zh-CN" altLang="en-US" smtClean="0"/>
-              <a:t>2019/9/12</a:t>
+              <a:t>2019/9/13</a:t>
             </a:fld>
             <a:endParaRPr lang="zh-CN" altLang="en-US"/>
           </a:p>
@@ -2382,7 +2387,7 @@
           <a:p>
             <a:fld id="{6184EF05-02AB-495E-8E82-69920567B8C4}" type="datetimeFigureOut">
               <a:rPr lang="zh-CN" altLang="en-US" smtClean="0"/>
-              <a:t>2019/9/12</a:t>
+              <a:t>2019/9/13</a:t>
             </a:fld>
             <a:endParaRPr lang="zh-CN" altLang="en-US"/>
           </a:p>
@@ -2670,7 +2675,7 @@
           <a:p>
             <a:fld id="{6184EF05-02AB-495E-8E82-69920567B8C4}" type="datetimeFigureOut">
               <a:rPr lang="zh-CN" altLang="en-US" smtClean="0"/>
-              <a:t>2019/9/12</a:t>
+              <a:t>2019/9/13</a:t>
             </a:fld>
             <a:endParaRPr lang="zh-CN" altLang="en-US"/>
           </a:p>
@@ -2911,7 +2916,7 @@
           <a:p>
             <a:fld id="{6184EF05-02AB-495E-8E82-69920567B8C4}" type="datetimeFigureOut">
               <a:rPr lang="zh-CN" altLang="en-US" smtClean="0"/>
-              <a:t>2019/9/12</a:t>
+              <a:t>2019/9/13</a:t>
             </a:fld>
             <a:endParaRPr lang="zh-CN" altLang="en-US"/>
           </a:p>
@@ -3506,8 +3511,8 @@
           </a:p>
         </p:txBody>
       </p:sp>
-      <mc:AlternateContent xmlns:mc="http://schemas.openxmlformats.org/markup-compatibility/2006">
-        <mc:Choice xmlns:a14="http://schemas.microsoft.com/office/drawing/2010/main" Requires="a14">
+      <mc:AlternateContent xmlns:mc="http://schemas.openxmlformats.org/markup-compatibility/2006" xmlns:a14="http://schemas.microsoft.com/office/drawing/2010/main">
+        <mc:Choice Requires="a14">
           <p:sp>
             <p:nvSpPr>
               <p:cNvPr id="6" name="矩形 5">
@@ -3587,7 +3592,7 @@
             </p:txBody>
           </p:sp>
         </mc:Choice>
-        <mc:Fallback>
+        <mc:Fallback xmlns="">
           <p:sp>
             <p:nvSpPr>
               <p:cNvPr id="6" name="矩形 5">
@@ -3652,8 +3657,8 @@
             <a:chExt cx="9362043" cy="1496197"/>
           </a:xfrm>
         </p:grpSpPr>
-        <mc:AlternateContent xmlns:mc="http://schemas.openxmlformats.org/markup-compatibility/2006">
-          <mc:Choice xmlns:a14="http://schemas.microsoft.com/office/drawing/2010/main" Requires="a14">
+        <mc:AlternateContent xmlns:mc="http://schemas.openxmlformats.org/markup-compatibility/2006" xmlns:a14="http://schemas.microsoft.com/office/drawing/2010/main">
+          <mc:Choice Requires="a14">
             <p:sp>
               <p:nvSpPr>
                 <p:cNvPr id="7" name="文本框 6">
@@ -3682,6 +3687,7 @@
                 </a:bodyPr>
                 <a:lstStyle/>
                 <a:p>
+                  <a:pPr/>
                   <a14:m>
                     <m:oMathPara xmlns:m="http://schemas.openxmlformats.org/officeDocument/2006/math">
                       <m:oMathParaPr>
@@ -3744,7 +3750,7 @@
               </p:txBody>
             </p:sp>
           </mc:Choice>
-          <mc:Fallback>
+          <mc:Fallback xmlns="">
             <p:sp>
               <p:nvSpPr>
                 <p:cNvPr id="7" name="文本框 6">
@@ -3835,8 +3841,8 @@
             </a:p>
           </p:txBody>
         </p:sp>
-        <mc:AlternateContent xmlns:mc="http://schemas.openxmlformats.org/markup-compatibility/2006">
-          <mc:Choice xmlns:a14="http://schemas.microsoft.com/office/drawing/2010/main" Requires="a14">
+        <mc:AlternateContent xmlns:mc="http://schemas.openxmlformats.org/markup-compatibility/2006" xmlns:a14="http://schemas.microsoft.com/office/drawing/2010/main">
+          <mc:Choice Requires="a14">
             <p:sp>
               <p:nvSpPr>
                 <p:cNvPr id="9" name="文本框 8">
@@ -3865,6 +3871,7 @@
                 </a:bodyPr>
                 <a:lstStyle/>
                 <a:p>
+                  <a:pPr/>
                   <a14:m>
                     <m:oMathPara xmlns:m="http://schemas.openxmlformats.org/officeDocument/2006/math">
                       <m:oMathParaPr>
@@ -4099,7 +4106,7 @@
               </p:txBody>
             </p:sp>
           </mc:Choice>
-          <mc:Fallback>
+          <mc:Fallback xmlns="">
             <p:sp>
               <p:nvSpPr>
                 <p:cNvPr id="9" name="文本框 8">
@@ -4144,8 +4151,8 @@
             </p:sp>
           </mc:Fallback>
         </mc:AlternateContent>
-        <mc:AlternateContent xmlns:mc="http://schemas.openxmlformats.org/markup-compatibility/2006">
-          <mc:Choice xmlns:a14="http://schemas.microsoft.com/office/drawing/2010/main" Requires="a14">
+        <mc:AlternateContent xmlns:mc="http://schemas.openxmlformats.org/markup-compatibility/2006" xmlns:a14="http://schemas.microsoft.com/office/drawing/2010/main">
+          <mc:Choice Requires="a14">
             <p:sp>
               <p:nvSpPr>
                 <p:cNvPr id="10" name="文本框 9">
@@ -4174,6 +4181,7 @@
                 </a:bodyPr>
                 <a:lstStyle/>
                 <a:p>
+                  <a:pPr/>
                   <a14:m>
                     <m:oMathPara xmlns:m="http://schemas.openxmlformats.org/officeDocument/2006/math">
                       <m:oMathParaPr>
@@ -4294,7 +4302,7 @@
               </p:txBody>
             </p:sp>
           </mc:Choice>
-          <mc:Fallback>
+          <mc:Fallback xmlns="">
             <p:sp>
               <p:nvSpPr>
                 <p:cNvPr id="10" name="文本框 9">
@@ -4360,8 +4368,8 @@
             <a:chExt cx="8324077" cy="2252762"/>
           </a:xfrm>
         </p:grpSpPr>
-        <mc:AlternateContent xmlns:mc="http://schemas.openxmlformats.org/markup-compatibility/2006">
-          <mc:Choice xmlns:a14="http://schemas.microsoft.com/office/drawing/2010/main" Requires="a14">
+        <mc:AlternateContent xmlns:mc="http://schemas.openxmlformats.org/markup-compatibility/2006" xmlns:a14="http://schemas.microsoft.com/office/drawing/2010/main">
+          <mc:Choice Requires="a14">
             <p:sp>
               <p:nvSpPr>
                 <p:cNvPr id="12" name="文本框 11">
@@ -4390,6 +4398,7 @@
                 </a:bodyPr>
                 <a:lstStyle/>
                 <a:p>
+                  <a:pPr/>
                   <a14:m>
                     <m:oMathPara xmlns:m="http://schemas.openxmlformats.org/officeDocument/2006/math">
                       <m:oMathParaPr>
@@ -4500,7 +4509,7 @@
               </p:txBody>
             </p:sp>
           </mc:Choice>
-          <mc:Fallback>
+          <mc:Fallback xmlns="">
             <p:sp>
               <p:nvSpPr>
                 <p:cNvPr id="12" name="文本框 11">
@@ -4591,8 +4600,8 @@
             </a:p>
           </p:txBody>
         </p:sp>
-        <mc:AlternateContent xmlns:mc="http://schemas.openxmlformats.org/markup-compatibility/2006">
-          <mc:Choice xmlns:a14="http://schemas.microsoft.com/office/drawing/2010/main" Requires="a14">
+        <mc:AlternateContent xmlns:mc="http://schemas.openxmlformats.org/markup-compatibility/2006" xmlns:a14="http://schemas.microsoft.com/office/drawing/2010/main">
+          <mc:Choice Requires="a14">
             <p:sp>
               <p:nvSpPr>
                 <p:cNvPr id="14" name="文本框 13">
@@ -4621,6 +4630,7 @@
                 </a:bodyPr>
                 <a:lstStyle/>
                 <a:p>
+                  <a:pPr/>
                   <a14:m>
                     <m:oMathPara xmlns:m="http://schemas.openxmlformats.org/officeDocument/2006/math">
                       <m:oMathParaPr>
@@ -4748,7 +4758,7 @@
               </p:txBody>
             </p:sp>
           </mc:Choice>
-          <mc:Fallback>
+          <mc:Fallback xmlns="">
             <p:sp>
               <p:nvSpPr>
                 <p:cNvPr id="14" name="文本框 13">
@@ -4793,8 +4803,8 @@
             </p:sp>
           </mc:Fallback>
         </mc:AlternateContent>
-        <mc:AlternateContent xmlns:mc="http://schemas.openxmlformats.org/markup-compatibility/2006">
-          <mc:Choice xmlns:a14="http://schemas.microsoft.com/office/drawing/2010/main" Requires="a14">
+        <mc:AlternateContent xmlns:mc="http://schemas.openxmlformats.org/markup-compatibility/2006" xmlns:a14="http://schemas.microsoft.com/office/drawing/2010/main">
+          <mc:Choice Requires="a14">
             <p:sp>
               <p:nvSpPr>
                 <p:cNvPr id="17" name="文本框 16">
@@ -4823,6 +4833,7 @@
                 </a:bodyPr>
                 <a:lstStyle/>
                 <a:p>
+                  <a:pPr/>
                   <a14:m>
                     <m:oMathPara xmlns:m="http://schemas.openxmlformats.org/officeDocument/2006/math">
                       <m:oMathParaPr>
@@ -5011,7 +5022,7 @@
               </p:txBody>
             </p:sp>
           </mc:Choice>
-          <mc:Fallback>
+          <mc:Fallback xmlns="">
             <p:sp>
               <p:nvSpPr>
                 <p:cNvPr id="17" name="文本框 16">
@@ -5414,7 +5425,7 @@
             </a:pPr>
             <a:r>
               <a:rPr lang="en-US" altLang="zh-CN" sz="2400" dirty="0"/>
-              <a:t>Features of prime number: the prime number is defined as an integer that is divisible only unity and by itself.</a:t>
+              <a:t>Features of prime number: the prime number is defined as an integer that is divisible only by unity and by itself.</a:t>
             </a:r>
           </a:p>
           <a:p>
@@ -5723,7 +5734,7 @@
         </p:blipFill>
         <p:spPr>
           <a:xfrm>
-            <a:off x="457992" y="1037908"/>
+            <a:off x="440237" y="1037908"/>
             <a:ext cx="2923196" cy="5454967"/>
           </a:xfrm>
           <a:prstGeom prst="rect">
@@ -5761,8 +5772,8 @@
           <a:chExt cx="0" cy="0"/>
         </a:xfrm>
       </p:grpSpPr>
-      <mc:AlternateContent xmlns:mc="http://schemas.openxmlformats.org/markup-compatibility/2006">
-        <mc:Choice xmlns:a14="http://schemas.microsoft.com/office/drawing/2010/main" Requires="a14">
+      <mc:AlternateContent xmlns:mc="http://schemas.openxmlformats.org/markup-compatibility/2006" xmlns:a14="http://schemas.microsoft.com/office/drawing/2010/main">
+        <mc:Choice Requires="a14">
           <p:sp>
             <p:nvSpPr>
               <p:cNvPr id="2" name="标题 1">
@@ -5811,7 +5822,7 @@
             </p:txBody>
           </p:sp>
         </mc:Choice>
-        <mc:Fallback>
+        <mc:Fallback xmlns="">
           <p:sp>
             <p:nvSpPr>
               <p:cNvPr id="2" name="标题 1">
@@ -6103,8 +6114,8 @@
           </a:p>
         </p:txBody>
       </p:sp>
-      <mc:AlternateContent xmlns:mc="http://schemas.openxmlformats.org/markup-compatibility/2006">
-        <mc:Choice xmlns:a14="http://schemas.microsoft.com/office/drawing/2010/main" Requires="a14">
+      <mc:AlternateContent xmlns:mc="http://schemas.openxmlformats.org/markup-compatibility/2006" xmlns:a14="http://schemas.microsoft.com/office/drawing/2010/main">
+        <mc:Choice Requires="a14">
           <p:sp>
             <p:nvSpPr>
               <p:cNvPr id="3" name="内容占位符 2">
@@ -6201,7 +6212,7 @@
             </p:txBody>
           </p:sp>
         </mc:Choice>
-        <mc:Fallback>
+        <mc:Fallback xmlns="">
           <p:sp>
             <p:nvSpPr>
               <p:cNvPr id="3" name="内容占位符 2">
